--- a/Programacion/Return Facilito.pptx
+++ b/Programacion/Return Facilito.pptx
@@ -7042,7 +7042,7 @@
             </a:br>
             <a:r>
               <a:rPr lang="es-ES" sz="4000" dirty="0"/>
-              <a:t>Cómo devolver varios parámetros fácil rápido link mega 100% real no </a:t>
+              <a:t>Cómo devolver varios parámetros fácil rápido un link mega 100% real no </a:t>
             </a:r>
             <a:r>
               <a:rPr lang="es-ES" sz="4000" dirty="0" err="1"/>
@@ -7051,10 +7051,6 @@
             <a:br>
               <a:rPr lang="es-ES" sz="4000" dirty="0"/>
             </a:br>
-            <a:r>
-              <a:rPr lang="es-ES" sz="4000" dirty="0"/>
-              <a:t>y parámetros opcionales sin link yo no lo descargo porque ya lo tengo</a:t>
-            </a:r>
             <a:br>
               <a:rPr lang="es-ES" sz="4000" dirty="0"/>
             </a:br>
@@ -10423,13 +10419,13 @@
   <p:clrMapOvr>
     <a:masterClrMapping/>
   </p:clrMapOvr>
-  <mc:AlternateContent xmlns:mc="http://schemas.openxmlformats.org/markup-compatibility/2006">
-    <mc:Choice xmlns:p159="http://schemas.microsoft.com/office/powerpoint/2015/09/main" Requires="p159">
+  <mc:AlternateContent xmlns:mc="http://schemas.openxmlformats.org/markup-compatibility/2006" xmlns:p159="http://schemas.microsoft.com/office/powerpoint/2015/09/main">
+    <mc:Choice Requires="p159">
       <p:transition xmlns:p14="http://schemas.microsoft.com/office/powerpoint/2010/main" spd="slow" p14:dur="2000">
         <p159:morph option="byChar"/>
       </p:transition>
     </mc:Choice>
-    <mc:Fallback>
+    <mc:Fallback xmlns="">
       <p:transition spd="slow">
         <p:fade/>
       </p:transition>
@@ -14149,13 +14145,13 @@
   <p:clrMapOvr>
     <a:masterClrMapping/>
   </p:clrMapOvr>
-  <mc:AlternateContent xmlns:mc="http://schemas.openxmlformats.org/markup-compatibility/2006">
-    <mc:Choice xmlns:p159="http://schemas.microsoft.com/office/powerpoint/2015/09/main" Requires="p159">
+  <mc:AlternateContent xmlns:mc="http://schemas.openxmlformats.org/markup-compatibility/2006" xmlns:p159="http://schemas.microsoft.com/office/powerpoint/2015/09/main">
+    <mc:Choice Requires="p159">
       <p:transition xmlns:p14="http://schemas.microsoft.com/office/powerpoint/2010/main" spd="slow" p14:dur="2000">
         <p159:morph option="byChar"/>
       </p:transition>
     </mc:Choice>
-    <mc:Fallback>
+    <mc:Fallback xmlns="">
       <p:transition spd="slow">
         <p:fade/>
       </p:transition>
@@ -17157,13 +17153,13 @@
   <p:clrMapOvr>
     <a:masterClrMapping/>
   </p:clrMapOvr>
-  <mc:AlternateContent xmlns:mc="http://schemas.openxmlformats.org/markup-compatibility/2006">
-    <mc:Choice xmlns:p159="http://schemas.microsoft.com/office/powerpoint/2015/09/main" Requires="p159">
+  <mc:AlternateContent xmlns:mc="http://schemas.openxmlformats.org/markup-compatibility/2006" xmlns:p159="http://schemas.microsoft.com/office/powerpoint/2015/09/main">
+    <mc:Choice Requires="p159">
       <p:transition xmlns:p14="http://schemas.microsoft.com/office/powerpoint/2010/main" spd="slow" p14:dur="2000">
         <p159:morph option="byChar"/>
       </p:transition>
     </mc:Choice>
-    <mc:Fallback>
+    <mc:Fallback xmlns="">
       <p:transition spd="slow">
         <p:fade/>
       </p:transition>
@@ -19244,7 +19240,7 @@
         </p:nvSpPr>
         <p:spPr>
           <a:xfrm>
-            <a:off x="3331284" y="-530153"/>
+            <a:off x="3331284" y="-626867"/>
             <a:ext cx="1213338" cy="407245"/>
           </a:xfrm>
           <a:prstGeom prst="rect">
@@ -19872,327 +19868,6 @@
       </p:sp>
       <p:sp>
         <p:nvSpPr>
-          <p:cNvPr id="34" name="Google Shape;85;p13">
-            <a:extLst>
-              <a:ext uri="{FF2B5EF4-FFF2-40B4-BE49-F238E27FC236}">
-                <a16:creationId xmlns:a16="http://schemas.microsoft.com/office/drawing/2014/main" id="{A210A1F8-2941-924E-FE03-8C25096113A6}"/>
-              </a:ext>
-            </a:extLst>
-          </p:cNvPr>
-          <p:cNvSpPr txBox="1">
-            <a:spLocks/>
-          </p:cNvSpPr>
-          <p:nvPr/>
-        </p:nvSpPr>
-        <p:spPr>
-          <a:xfrm>
-            <a:off x="3320110" y="-617420"/>
-            <a:ext cx="1213338" cy="407245"/>
-          </a:xfrm>
-          <a:prstGeom prst="rect">
-            <a:avLst/>
-          </a:prstGeom>
-          <a:noFill/>
-          <a:ln>
-            <a:noFill/>
-          </a:ln>
-        </p:spPr>
-        <p:txBody>
-          <a:bodyPr spcFirstLastPara="1" wrap="square" lIns="91425" tIns="91425" rIns="91425" bIns="91425" anchor="ctr" anchorCtr="0">
-            <a:noAutofit/>
-          </a:bodyPr>
-          <a:lstStyle>
-            <a:defPPr marR="0" lvl="0" algn="l" rtl="0">
-              <a:lnSpc>
-                <a:spcPct val="100000"/>
-              </a:lnSpc>
-              <a:spcBef>
-                <a:spcPts val="0"/>
-              </a:spcBef>
-              <a:spcAft>
-                <a:spcPts val="0"/>
-              </a:spcAft>
-            </a:defPPr>
-            <a:lvl1pPr marR="0" lvl="0" algn="l" rtl="0">
-              <a:lnSpc>
-                <a:spcPct val="100000"/>
-              </a:lnSpc>
-              <a:spcBef>
-                <a:spcPts val="0"/>
-              </a:spcBef>
-              <a:spcAft>
-                <a:spcPts val="0"/>
-              </a:spcAft>
-              <a:buClr>
-                <a:schemeClr val="dk1"/>
-              </a:buClr>
-              <a:buSzPts val="3000"/>
-              <a:buFont typeface="Roboto"/>
-              <a:buNone/>
-              <a:defRPr sz="3000" b="0" i="0" u="none" strike="noStrike" cap="none">
-                <a:solidFill>
-                  <a:schemeClr val="dk1"/>
-                </a:solidFill>
-                <a:latin typeface="Roboto"/>
-                <a:ea typeface="Roboto"/>
-                <a:cs typeface="Roboto"/>
-                <a:sym typeface="Roboto"/>
-              </a:defRPr>
-            </a:lvl1pPr>
-            <a:lvl2pPr marR="0" lvl="1" algn="l" rtl="0">
-              <a:lnSpc>
-                <a:spcPct val="100000"/>
-              </a:lnSpc>
-              <a:spcBef>
-                <a:spcPts val="0"/>
-              </a:spcBef>
-              <a:spcAft>
-                <a:spcPts val="0"/>
-              </a:spcAft>
-              <a:buClr>
-                <a:schemeClr val="dk1"/>
-              </a:buClr>
-              <a:buSzPts val="3000"/>
-              <a:buFont typeface="Roboto"/>
-              <a:buNone/>
-              <a:defRPr sz="3000" b="0" i="0" u="none" strike="noStrike" cap="none">
-                <a:solidFill>
-                  <a:schemeClr val="dk1"/>
-                </a:solidFill>
-                <a:latin typeface="Roboto"/>
-                <a:ea typeface="Roboto"/>
-                <a:cs typeface="Roboto"/>
-                <a:sym typeface="Roboto"/>
-              </a:defRPr>
-            </a:lvl2pPr>
-            <a:lvl3pPr marR="0" lvl="2" algn="l" rtl="0">
-              <a:lnSpc>
-                <a:spcPct val="100000"/>
-              </a:lnSpc>
-              <a:spcBef>
-                <a:spcPts val="0"/>
-              </a:spcBef>
-              <a:spcAft>
-                <a:spcPts val="0"/>
-              </a:spcAft>
-              <a:buClr>
-                <a:schemeClr val="dk1"/>
-              </a:buClr>
-              <a:buSzPts val="3000"/>
-              <a:buFont typeface="Roboto"/>
-              <a:buNone/>
-              <a:defRPr sz="3000" b="0" i="0" u="none" strike="noStrike" cap="none">
-                <a:solidFill>
-                  <a:schemeClr val="dk1"/>
-                </a:solidFill>
-                <a:latin typeface="Roboto"/>
-                <a:ea typeface="Roboto"/>
-                <a:cs typeface="Roboto"/>
-                <a:sym typeface="Roboto"/>
-              </a:defRPr>
-            </a:lvl3pPr>
-            <a:lvl4pPr marR="0" lvl="3" algn="l" rtl="0">
-              <a:lnSpc>
-                <a:spcPct val="100000"/>
-              </a:lnSpc>
-              <a:spcBef>
-                <a:spcPts val="0"/>
-              </a:spcBef>
-              <a:spcAft>
-                <a:spcPts val="0"/>
-              </a:spcAft>
-              <a:buClr>
-                <a:schemeClr val="dk1"/>
-              </a:buClr>
-              <a:buSzPts val="3000"/>
-              <a:buFont typeface="Roboto"/>
-              <a:buNone/>
-              <a:defRPr sz="3000" b="0" i="0" u="none" strike="noStrike" cap="none">
-                <a:solidFill>
-                  <a:schemeClr val="dk1"/>
-                </a:solidFill>
-                <a:latin typeface="Roboto"/>
-                <a:ea typeface="Roboto"/>
-                <a:cs typeface="Roboto"/>
-                <a:sym typeface="Roboto"/>
-              </a:defRPr>
-            </a:lvl4pPr>
-            <a:lvl5pPr marR="0" lvl="4" algn="l" rtl="0">
-              <a:lnSpc>
-                <a:spcPct val="100000"/>
-              </a:lnSpc>
-              <a:spcBef>
-                <a:spcPts val="0"/>
-              </a:spcBef>
-              <a:spcAft>
-                <a:spcPts val="0"/>
-              </a:spcAft>
-              <a:buClr>
-                <a:schemeClr val="dk1"/>
-              </a:buClr>
-              <a:buSzPts val="3000"/>
-              <a:buFont typeface="Roboto"/>
-              <a:buNone/>
-              <a:defRPr sz="3000" b="0" i="0" u="none" strike="noStrike" cap="none">
-                <a:solidFill>
-                  <a:schemeClr val="dk1"/>
-                </a:solidFill>
-                <a:latin typeface="Roboto"/>
-                <a:ea typeface="Roboto"/>
-                <a:cs typeface="Roboto"/>
-                <a:sym typeface="Roboto"/>
-              </a:defRPr>
-            </a:lvl5pPr>
-            <a:lvl6pPr marR="0" lvl="5" algn="l" rtl="0">
-              <a:lnSpc>
-                <a:spcPct val="100000"/>
-              </a:lnSpc>
-              <a:spcBef>
-                <a:spcPts val="0"/>
-              </a:spcBef>
-              <a:spcAft>
-                <a:spcPts val="0"/>
-              </a:spcAft>
-              <a:buClr>
-                <a:schemeClr val="dk1"/>
-              </a:buClr>
-              <a:buSzPts val="3000"/>
-              <a:buFont typeface="Roboto"/>
-              <a:buNone/>
-              <a:defRPr sz="3000" b="0" i="0" u="none" strike="noStrike" cap="none">
-                <a:solidFill>
-                  <a:schemeClr val="dk1"/>
-                </a:solidFill>
-                <a:latin typeface="Roboto"/>
-                <a:ea typeface="Roboto"/>
-                <a:cs typeface="Roboto"/>
-                <a:sym typeface="Roboto"/>
-              </a:defRPr>
-            </a:lvl6pPr>
-            <a:lvl7pPr marR="0" lvl="6" algn="l" rtl="0">
-              <a:lnSpc>
-                <a:spcPct val="100000"/>
-              </a:lnSpc>
-              <a:spcBef>
-                <a:spcPts val="0"/>
-              </a:spcBef>
-              <a:spcAft>
-                <a:spcPts val="0"/>
-              </a:spcAft>
-              <a:buClr>
-                <a:schemeClr val="dk1"/>
-              </a:buClr>
-              <a:buSzPts val="3000"/>
-              <a:buFont typeface="Roboto"/>
-              <a:buNone/>
-              <a:defRPr sz="3000" b="0" i="0" u="none" strike="noStrike" cap="none">
-                <a:solidFill>
-                  <a:schemeClr val="dk1"/>
-                </a:solidFill>
-                <a:latin typeface="Roboto"/>
-                <a:ea typeface="Roboto"/>
-                <a:cs typeface="Roboto"/>
-                <a:sym typeface="Roboto"/>
-              </a:defRPr>
-            </a:lvl7pPr>
-            <a:lvl8pPr marR="0" lvl="7" algn="l" rtl="0">
-              <a:lnSpc>
-                <a:spcPct val="100000"/>
-              </a:lnSpc>
-              <a:spcBef>
-                <a:spcPts val="0"/>
-              </a:spcBef>
-              <a:spcAft>
-                <a:spcPts val="0"/>
-              </a:spcAft>
-              <a:buClr>
-                <a:schemeClr val="dk1"/>
-              </a:buClr>
-              <a:buSzPts val="3000"/>
-              <a:buFont typeface="Roboto"/>
-              <a:buNone/>
-              <a:defRPr sz="3000" b="0" i="0" u="none" strike="noStrike" cap="none">
-                <a:solidFill>
-                  <a:schemeClr val="dk1"/>
-                </a:solidFill>
-                <a:latin typeface="Roboto"/>
-                <a:ea typeface="Roboto"/>
-                <a:cs typeface="Roboto"/>
-                <a:sym typeface="Roboto"/>
-              </a:defRPr>
-            </a:lvl8pPr>
-            <a:lvl9pPr marR="0" lvl="8" algn="l" rtl="0">
-              <a:lnSpc>
-                <a:spcPct val="100000"/>
-              </a:lnSpc>
-              <a:spcBef>
-                <a:spcPts val="0"/>
-              </a:spcBef>
-              <a:spcAft>
-                <a:spcPts val="0"/>
-              </a:spcAft>
-              <a:buClr>
-                <a:schemeClr val="dk1"/>
-              </a:buClr>
-              <a:buSzPts val="3000"/>
-              <a:buFont typeface="Roboto"/>
-              <a:buNone/>
-              <a:defRPr sz="3000" b="0" i="0" u="none" strike="noStrike" cap="none">
-                <a:solidFill>
-                  <a:schemeClr val="dk1"/>
-                </a:solidFill>
-                <a:latin typeface="Roboto"/>
-                <a:ea typeface="Roboto"/>
-                <a:cs typeface="Roboto"/>
-                <a:sym typeface="Roboto"/>
-              </a:defRPr>
-            </a:lvl9pPr>
-          </a:lstStyle>
-          <a:p>
-            <a:endParaRPr lang="es-ES" sz="1600" dirty="0">
-              <a:solidFill>
-                <a:srgbClr val="D79FC9"/>
-              </a:solidFill>
-              <a:latin typeface="Cascadia Mono" panose="020B0609020000020004" pitchFamily="49" charset="0"/>
-            </a:endParaRPr>
-          </a:p>
-          <a:p>
-            <a:r>
-              <a:rPr lang="es-ES" sz="1600" dirty="0">
-                <a:solidFill>
-                  <a:schemeClr val="bg1"/>
-                </a:solidFill>
-                <a:latin typeface="Cascadia Mono" panose="020B0609020000020004" pitchFamily="49" charset="0"/>
-              </a:rPr>
-              <a:t>Nombre</a:t>
-            </a:r>
-            <a:br>
-              <a:rPr lang="es-ES" sz="1600" dirty="0">
-                <a:solidFill>
-                  <a:srgbClr val="000000"/>
-                </a:solidFill>
-                <a:latin typeface="Cascadia Mono" panose="020B0609020000020004" pitchFamily="49" charset="0"/>
-              </a:rPr>
-            </a:br>
-            <a:r>
-              <a:rPr lang="es-ES" sz="1200" dirty="0">
-                <a:solidFill>
-                  <a:srgbClr val="000000"/>
-                </a:solidFill>
-                <a:latin typeface="Cascadia Mono" panose="020B0609020000020004" pitchFamily="49" charset="0"/>
-              </a:rPr>
-              <a:t>            </a:t>
-            </a:r>
-            <a:endParaRPr lang="pt-BR" sz="1200" dirty="0">
-              <a:solidFill>
-                <a:srgbClr val="B4A7D6"/>
-              </a:solidFill>
-            </a:endParaRPr>
-          </a:p>
-        </p:txBody>
-      </p:sp>
-      <p:sp>
-        <p:nvSpPr>
           <p:cNvPr id="35" name="Google Shape;85;p13">
             <a:extLst>
               <a:ext uri="{FF2B5EF4-FFF2-40B4-BE49-F238E27FC236}">
@@ -20522,13 +20197,13 @@
   <p:clrMapOvr>
     <a:masterClrMapping/>
   </p:clrMapOvr>
-  <mc:AlternateContent xmlns:mc="http://schemas.openxmlformats.org/markup-compatibility/2006">
-    <mc:Choice xmlns:p159="http://schemas.microsoft.com/office/powerpoint/2015/09/main" Requires="p159">
+  <mc:AlternateContent xmlns:mc="http://schemas.openxmlformats.org/markup-compatibility/2006" xmlns:p159="http://schemas.microsoft.com/office/powerpoint/2015/09/main">
+    <mc:Choice Requires="p159">
       <p:transition xmlns:p14="http://schemas.microsoft.com/office/powerpoint/2010/main" spd="slow" p14:dur="2000">
         <p159:morph option="byWord"/>
       </p:transition>
     </mc:Choice>
-    <mc:Fallback>
+    <mc:Fallback xmlns="">
       <p:transition spd="slow">
         <p:fade/>
       </p:transition>
@@ -23560,13 +23235,13 @@
   <p:clrMapOvr>
     <a:masterClrMapping/>
   </p:clrMapOvr>
-  <mc:AlternateContent xmlns:mc="http://schemas.openxmlformats.org/markup-compatibility/2006">
-    <mc:Choice xmlns:p159="http://schemas.microsoft.com/office/powerpoint/2015/09/main" Requires="p159">
+  <mc:AlternateContent xmlns:mc="http://schemas.openxmlformats.org/markup-compatibility/2006" xmlns:p159="http://schemas.microsoft.com/office/powerpoint/2015/09/main">
+    <mc:Choice Requires="p159">
       <p:transition xmlns:p14="http://schemas.microsoft.com/office/powerpoint/2010/main" spd="slow" p14:dur="2000">
         <p159:morph option="byChar"/>
       </p:transition>
     </mc:Choice>
-    <mc:Fallback>
+    <mc:Fallback xmlns="">
       <p:transition spd="slow">
         <p:fade/>
       </p:transition>
@@ -26713,13 +26388,13 @@
   <p:clrMapOvr>
     <a:masterClrMapping/>
   </p:clrMapOvr>
-  <mc:AlternateContent xmlns:mc="http://schemas.openxmlformats.org/markup-compatibility/2006">
-    <mc:Choice xmlns:p159="http://schemas.microsoft.com/office/powerpoint/2015/09/main" Requires="p159">
+  <mc:AlternateContent xmlns:mc="http://schemas.openxmlformats.org/markup-compatibility/2006" xmlns:p159="http://schemas.microsoft.com/office/powerpoint/2015/09/main">
+    <mc:Choice Requires="p159">
       <p:transition xmlns:p14="http://schemas.microsoft.com/office/powerpoint/2010/main" spd="slow" p14:dur="2000">
         <p159:morph option="byWord"/>
       </p:transition>
     </mc:Choice>
-    <mc:Fallback>
+    <mc:Fallback xmlns="">
       <p:transition spd="slow">
         <p:fade/>
       </p:transition>
